--- a/M1/Skill/2-CommandLine/PowerPoint/les 02 command line  - 2022-23.pptx
+++ b/M1/Skill/2-CommandLine/PowerPoint/les 02 command line  - 2022-23.pptx
@@ -290,131 +290,6 @@
 <file path=ppt/changesInfos/changesInfo1.xml><?xml version="1.0" encoding="utf-8"?>
 <pc:chgInfo xmlns:a="http://schemas.openxmlformats.org/drawingml/2006/main" xmlns:r="http://schemas.openxmlformats.org/officeDocument/2006/relationships" xmlns:ac="http://schemas.microsoft.com/office/drawing/2013/main/command" xmlns:pc="http://schemas.microsoft.com/office/powerpoint/2013/main/command">
   <pc:docChgLst>
-    <pc:chgData name="Dragan Javorac" userId="913c2858-fb97-4c6e-a42c-b1f1a16b225e" providerId="ADAL" clId="{92A8D97E-1E6C-4B57-8B68-A2048DF60043}"/>
-    <pc:docChg chg="undo custSel modSld">
-      <pc:chgData name="Dragan Javorac" userId="913c2858-fb97-4c6e-a42c-b1f1a16b225e" providerId="ADAL" clId="{92A8D97E-1E6C-4B57-8B68-A2048DF60043}" dt="2022-09-16T06:45:13.006" v="164" actId="1076"/>
-      <pc:docMkLst>
-        <pc:docMk/>
-      </pc:docMkLst>
-      <pc:sldChg chg="addSp delSp modSp mod">
-        <pc:chgData name="Dragan Javorac" userId="913c2858-fb97-4c6e-a42c-b1f1a16b225e" providerId="ADAL" clId="{92A8D97E-1E6C-4B57-8B68-A2048DF60043}" dt="2022-09-16T06:44:42.888" v="143" actId="1076"/>
-        <pc:sldMkLst>
-          <pc:docMk/>
-          <pc:sldMk cId="0" sldId="283"/>
-        </pc:sldMkLst>
-        <pc:spChg chg="add del mod">
-          <ac:chgData name="Dragan Javorac" userId="913c2858-fb97-4c6e-a42c-b1f1a16b225e" providerId="ADAL" clId="{92A8D97E-1E6C-4B57-8B68-A2048DF60043}" dt="2022-09-16T06:44:11.796" v="88" actId="478"/>
-          <ac:spMkLst>
-            <pc:docMk/>
-            <pc:sldMk cId="0" sldId="283"/>
-            <ac:spMk id="2" creationId="{451AC17F-E187-65EC-AA15-54521FDB1354}"/>
-          </ac:spMkLst>
-        </pc:spChg>
-        <pc:spChg chg="add mod">
-          <ac:chgData name="Dragan Javorac" userId="913c2858-fb97-4c6e-a42c-b1f1a16b225e" providerId="ADAL" clId="{92A8D97E-1E6C-4B57-8B68-A2048DF60043}" dt="2022-09-16T06:44:42.888" v="143" actId="1076"/>
-          <ac:spMkLst>
-            <pc:docMk/>
-            <pc:sldMk cId="0" sldId="283"/>
-            <ac:spMk id="4" creationId="{9BBDF0E4-A5DA-0B18-A146-5242221F1CF6}"/>
-          </ac:spMkLst>
-        </pc:spChg>
-      </pc:sldChg>
-      <pc:sldChg chg="addSp delSp modSp mod">
-        <pc:chgData name="Dragan Javorac" userId="913c2858-fb97-4c6e-a42c-b1f1a16b225e" providerId="ADAL" clId="{92A8D97E-1E6C-4B57-8B68-A2048DF60043}" dt="2022-09-16T06:43:39.668" v="85" actId="1076"/>
-        <pc:sldMkLst>
-          <pc:docMk/>
-          <pc:sldMk cId="0" sldId="284"/>
-        </pc:sldMkLst>
-        <pc:spChg chg="add mod">
-          <ac:chgData name="Dragan Javorac" userId="913c2858-fb97-4c6e-a42c-b1f1a16b225e" providerId="ADAL" clId="{92A8D97E-1E6C-4B57-8B68-A2048DF60043}" dt="2022-09-16T06:43:39.668" v="85" actId="1076"/>
-          <ac:spMkLst>
-            <pc:docMk/>
-            <pc:sldMk cId="0" sldId="284"/>
-            <ac:spMk id="2" creationId="{0A5A21D4-BBF0-3298-E669-425C6D744FB1}"/>
-          </ac:spMkLst>
-        </pc:spChg>
-        <pc:spChg chg="del">
-          <ac:chgData name="Dragan Javorac" userId="913c2858-fb97-4c6e-a42c-b1f1a16b225e" providerId="ADAL" clId="{92A8D97E-1E6C-4B57-8B68-A2048DF60043}" dt="2022-09-16T06:41:33.989" v="40" actId="478"/>
-          <ac:spMkLst>
-            <pc:docMk/>
-            <pc:sldMk cId="0" sldId="284"/>
-            <ac:spMk id="253" creationId="{00000000-0000-0000-0000-000000000000}"/>
-          </ac:spMkLst>
-        </pc:spChg>
-        <pc:picChg chg="mod modCrop">
-          <ac:chgData name="Dragan Javorac" userId="913c2858-fb97-4c6e-a42c-b1f1a16b225e" providerId="ADAL" clId="{92A8D97E-1E6C-4B57-8B68-A2048DF60043}" dt="2022-09-16T06:41:30.964" v="38" actId="732"/>
-          <ac:picMkLst>
-            <pc:docMk/>
-            <pc:sldMk cId="0" sldId="284"/>
-            <ac:picMk id="3" creationId="{54072D14-EA99-4322-B9FA-A9F6DDC04F19}"/>
-          </ac:picMkLst>
-        </pc:picChg>
-      </pc:sldChg>
-      <pc:sldChg chg="addSp modSp mod">
-        <pc:chgData name="Dragan Javorac" userId="913c2858-fb97-4c6e-a42c-b1f1a16b225e" providerId="ADAL" clId="{92A8D97E-1E6C-4B57-8B68-A2048DF60043}" dt="2022-09-16T06:45:13.006" v="164" actId="1076"/>
-        <pc:sldMkLst>
-          <pc:docMk/>
-          <pc:sldMk cId="0" sldId="287"/>
-        </pc:sldMkLst>
-        <pc:spChg chg="mod">
-          <ac:chgData name="Dragan Javorac" userId="913c2858-fb97-4c6e-a42c-b1f1a16b225e" providerId="ADAL" clId="{92A8D97E-1E6C-4B57-8B68-A2048DF60043}" dt="2022-09-16T06:45:10.405" v="163" actId="1076"/>
-          <ac:spMkLst>
-            <pc:docMk/>
-            <pc:sldMk cId="0" sldId="287"/>
-            <ac:spMk id="2" creationId="{7337BC73-58E6-AE99-DA09-8D71EF9DD8AD}"/>
-          </ac:spMkLst>
-        </pc:spChg>
-        <pc:spChg chg="add mod">
-          <ac:chgData name="Dragan Javorac" userId="913c2858-fb97-4c6e-a42c-b1f1a16b225e" providerId="ADAL" clId="{92A8D97E-1E6C-4B57-8B68-A2048DF60043}" dt="2022-09-16T06:45:13.006" v="164" actId="1076"/>
-          <ac:spMkLst>
-            <pc:docMk/>
-            <pc:sldMk cId="0" sldId="287"/>
-            <ac:spMk id="3" creationId="{8474D62A-5D96-7DD2-32EE-3974DBFF1824}"/>
-          </ac:spMkLst>
-        </pc:spChg>
-      </pc:sldChg>
-      <pc:sldChg chg="addSp modSp mod">
-        <pc:chgData name="Dragan Javorac" userId="913c2858-fb97-4c6e-a42c-b1f1a16b225e" providerId="ADAL" clId="{92A8D97E-1E6C-4B57-8B68-A2048DF60043}" dt="2022-09-16T06:39:15.149" v="12" actId="404"/>
-        <pc:sldMkLst>
-          <pc:docMk/>
-          <pc:sldMk cId="1870659074" sldId="300"/>
-        </pc:sldMkLst>
-        <pc:spChg chg="add mod">
-          <ac:chgData name="Dragan Javorac" userId="913c2858-fb97-4c6e-a42c-b1f1a16b225e" providerId="ADAL" clId="{92A8D97E-1E6C-4B57-8B68-A2048DF60043}" dt="2022-09-16T06:39:15.149" v="12" actId="404"/>
-          <ac:spMkLst>
-            <pc:docMk/>
-            <pc:sldMk cId="1870659074" sldId="300"/>
-            <ac:spMk id="3" creationId="{320B9D70-40A1-4CB5-5320-3EC92649D11A}"/>
-          </ac:spMkLst>
-        </pc:spChg>
-      </pc:sldChg>
-    </pc:docChg>
-  </pc:docChgLst>
-  <pc:docChgLst>
-    <pc:chgData name="Dragan Javorac" userId="913c2858-fb97-4c6e-a42c-b1f1a16b225e" providerId="ADAL" clId="{959C871E-B1B9-48FD-848D-ACEB3D66F7BF}"/>
-    <pc:docChg chg="modSld">
-      <pc:chgData name="Dragan Javorac" userId="913c2858-fb97-4c6e-a42c-b1f1a16b225e" providerId="ADAL" clId="{959C871E-B1B9-48FD-848D-ACEB3D66F7BF}" dt="2022-11-04T09:19:36.825" v="9" actId="20577"/>
-      <pc:docMkLst>
-        <pc:docMk/>
-      </pc:docMkLst>
-      <pc:sldChg chg="modSp mod">
-        <pc:chgData name="Dragan Javorac" userId="913c2858-fb97-4c6e-a42c-b1f1a16b225e" providerId="ADAL" clId="{959C871E-B1B9-48FD-848D-ACEB3D66F7BF}" dt="2022-11-04T09:19:36.825" v="9" actId="20577"/>
-        <pc:sldMkLst>
-          <pc:docMk/>
-          <pc:sldMk cId="2116114300" sldId="296"/>
-        </pc:sldMkLst>
-        <pc:spChg chg="mod">
-          <ac:chgData name="Dragan Javorac" userId="913c2858-fb97-4c6e-a42c-b1f1a16b225e" providerId="ADAL" clId="{959C871E-B1B9-48FD-848D-ACEB3D66F7BF}" dt="2022-11-04T09:19:36.825" v="9" actId="20577"/>
-          <ac:spMkLst>
-            <pc:docMk/>
-            <pc:sldMk cId="2116114300" sldId="296"/>
-            <ac:spMk id="213" creationId="{00000000-0000-0000-0000-000000000000}"/>
-          </ac:spMkLst>
-        </pc:spChg>
-      </pc:sldChg>
-    </pc:docChg>
-  </pc:docChgLst>
-  <pc:docChgLst>
     <pc:chgData name="Dragan Javorac" userId="913c2858-fb97-4c6e-a42c-b1f1a16b225e" providerId="ADAL" clId="{1CE25F6B-805C-44D6-A1F2-667DF2A5148F}"/>
     <pc:docChg chg="custSel delSld modSld sldOrd">
       <pc:chgData name="Dragan Javorac" userId="913c2858-fb97-4c6e-a42c-b1f1a16b225e" providerId="ADAL" clId="{1CE25F6B-805C-44D6-A1F2-667DF2A5148F}" dt="2022-09-16T11:08:34.905" v="94" actId="47"/>
@@ -572,6 +447,131 @@
             <ac:picMk id="13" creationId="{FFC92F43-C6FD-4337-BCAE-FBFF1440C349}"/>
           </ac:picMkLst>
         </pc:picChg>
+      </pc:sldChg>
+    </pc:docChg>
+  </pc:docChgLst>
+  <pc:docChgLst>
+    <pc:chgData name="Dragan Javorac" userId="913c2858-fb97-4c6e-a42c-b1f1a16b225e" providerId="ADAL" clId="{92A8D97E-1E6C-4B57-8B68-A2048DF60043}"/>
+    <pc:docChg chg="undo custSel modSld">
+      <pc:chgData name="Dragan Javorac" userId="913c2858-fb97-4c6e-a42c-b1f1a16b225e" providerId="ADAL" clId="{92A8D97E-1E6C-4B57-8B68-A2048DF60043}" dt="2022-09-16T06:45:13.006" v="164" actId="1076"/>
+      <pc:docMkLst>
+        <pc:docMk/>
+      </pc:docMkLst>
+      <pc:sldChg chg="addSp delSp modSp mod">
+        <pc:chgData name="Dragan Javorac" userId="913c2858-fb97-4c6e-a42c-b1f1a16b225e" providerId="ADAL" clId="{92A8D97E-1E6C-4B57-8B68-A2048DF60043}" dt="2022-09-16T06:44:42.888" v="143" actId="1076"/>
+        <pc:sldMkLst>
+          <pc:docMk/>
+          <pc:sldMk cId="0" sldId="283"/>
+        </pc:sldMkLst>
+        <pc:spChg chg="add del mod">
+          <ac:chgData name="Dragan Javorac" userId="913c2858-fb97-4c6e-a42c-b1f1a16b225e" providerId="ADAL" clId="{92A8D97E-1E6C-4B57-8B68-A2048DF60043}" dt="2022-09-16T06:44:11.796" v="88" actId="478"/>
+          <ac:spMkLst>
+            <pc:docMk/>
+            <pc:sldMk cId="0" sldId="283"/>
+            <ac:spMk id="2" creationId="{451AC17F-E187-65EC-AA15-54521FDB1354}"/>
+          </ac:spMkLst>
+        </pc:spChg>
+        <pc:spChg chg="add mod">
+          <ac:chgData name="Dragan Javorac" userId="913c2858-fb97-4c6e-a42c-b1f1a16b225e" providerId="ADAL" clId="{92A8D97E-1E6C-4B57-8B68-A2048DF60043}" dt="2022-09-16T06:44:42.888" v="143" actId="1076"/>
+          <ac:spMkLst>
+            <pc:docMk/>
+            <pc:sldMk cId="0" sldId="283"/>
+            <ac:spMk id="4" creationId="{9BBDF0E4-A5DA-0B18-A146-5242221F1CF6}"/>
+          </ac:spMkLst>
+        </pc:spChg>
+      </pc:sldChg>
+      <pc:sldChg chg="addSp delSp modSp mod">
+        <pc:chgData name="Dragan Javorac" userId="913c2858-fb97-4c6e-a42c-b1f1a16b225e" providerId="ADAL" clId="{92A8D97E-1E6C-4B57-8B68-A2048DF60043}" dt="2022-09-16T06:43:39.668" v="85" actId="1076"/>
+        <pc:sldMkLst>
+          <pc:docMk/>
+          <pc:sldMk cId="0" sldId="284"/>
+        </pc:sldMkLst>
+        <pc:spChg chg="add mod">
+          <ac:chgData name="Dragan Javorac" userId="913c2858-fb97-4c6e-a42c-b1f1a16b225e" providerId="ADAL" clId="{92A8D97E-1E6C-4B57-8B68-A2048DF60043}" dt="2022-09-16T06:43:39.668" v="85" actId="1076"/>
+          <ac:spMkLst>
+            <pc:docMk/>
+            <pc:sldMk cId="0" sldId="284"/>
+            <ac:spMk id="2" creationId="{0A5A21D4-BBF0-3298-E669-425C6D744FB1}"/>
+          </ac:spMkLst>
+        </pc:spChg>
+        <pc:spChg chg="del">
+          <ac:chgData name="Dragan Javorac" userId="913c2858-fb97-4c6e-a42c-b1f1a16b225e" providerId="ADAL" clId="{92A8D97E-1E6C-4B57-8B68-A2048DF60043}" dt="2022-09-16T06:41:33.989" v="40" actId="478"/>
+          <ac:spMkLst>
+            <pc:docMk/>
+            <pc:sldMk cId="0" sldId="284"/>
+            <ac:spMk id="253" creationId="{00000000-0000-0000-0000-000000000000}"/>
+          </ac:spMkLst>
+        </pc:spChg>
+        <pc:picChg chg="mod modCrop">
+          <ac:chgData name="Dragan Javorac" userId="913c2858-fb97-4c6e-a42c-b1f1a16b225e" providerId="ADAL" clId="{92A8D97E-1E6C-4B57-8B68-A2048DF60043}" dt="2022-09-16T06:41:30.964" v="38" actId="732"/>
+          <ac:picMkLst>
+            <pc:docMk/>
+            <pc:sldMk cId="0" sldId="284"/>
+            <ac:picMk id="3" creationId="{54072D14-EA99-4322-B9FA-A9F6DDC04F19}"/>
+          </ac:picMkLst>
+        </pc:picChg>
+      </pc:sldChg>
+      <pc:sldChg chg="addSp modSp mod">
+        <pc:chgData name="Dragan Javorac" userId="913c2858-fb97-4c6e-a42c-b1f1a16b225e" providerId="ADAL" clId="{92A8D97E-1E6C-4B57-8B68-A2048DF60043}" dt="2022-09-16T06:45:13.006" v="164" actId="1076"/>
+        <pc:sldMkLst>
+          <pc:docMk/>
+          <pc:sldMk cId="0" sldId="287"/>
+        </pc:sldMkLst>
+        <pc:spChg chg="mod">
+          <ac:chgData name="Dragan Javorac" userId="913c2858-fb97-4c6e-a42c-b1f1a16b225e" providerId="ADAL" clId="{92A8D97E-1E6C-4B57-8B68-A2048DF60043}" dt="2022-09-16T06:45:10.405" v="163" actId="1076"/>
+          <ac:spMkLst>
+            <pc:docMk/>
+            <pc:sldMk cId="0" sldId="287"/>
+            <ac:spMk id="2" creationId="{7337BC73-58E6-AE99-DA09-8D71EF9DD8AD}"/>
+          </ac:spMkLst>
+        </pc:spChg>
+        <pc:spChg chg="add mod">
+          <ac:chgData name="Dragan Javorac" userId="913c2858-fb97-4c6e-a42c-b1f1a16b225e" providerId="ADAL" clId="{92A8D97E-1E6C-4B57-8B68-A2048DF60043}" dt="2022-09-16T06:45:13.006" v="164" actId="1076"/>
+          <ac:spMkLst>
+            <pc:docMk/>
+            <pc:sldMk cId="0" sldId="287"/>
+            <ac:spMk id="3" creationId="{8474D62A-5D96-7DD2-32EE-3974DBFF1824}"/>
+          </ac:spMkLst>
+        </pc:spChg>
+      </pc:sldChg>
+      <pc:sldChg chg="addSp modSp mod">
+        <pc:chgData name="Dragan Javorac" userId="913c2858-fb97-4c6e-a42c-b1f1a16b225e" providerId="ADAL" clId="{92A8D97E-1E6C-4B57-8B68-A2048DF60043}" dt="2022-09-16T06:39:15.149" v="12" actId="404"/>
+        <pc:sldMkLst>
+          <pc:docMk/>
+          <pc:sldMk cId="1870659074" sldId="300"/>
+        </pc:sldMkLst>
+        <pc:spChg chg="add mod">
+          <ac:chgData name="Dragan Javorac" userId="913c2858-fb97-4c6e-a42c-b1f1a16b225e" providerId="ADAL" clId="{92A8D97E-1E6C-4B57-8B68-A2048DF60043}" dt="2022-09-16T06:39:15.149" v="12" actId="404"/>
+          <ac:spMkLst>
+            <pc:docMk/>
+            <pc:sldMk cId="1870659074" sldId="300"/>
+            <ac:spMk id="3" creationId="{320B9D70-40A1-4CB5-5320-3EC92649D11A}"/>
+          </ac:spMkLst>
+        </pc:spChg>
+      </pc:sldChg>
+    </pc:docChg>
+  </pc:docChgLst>
+  <pc:docChgLst>
+    <pc:chgData name="Dragan Javorac" userId="913c2858-fb97-4c6e-a42c-b1f1a16b225e" providerId="ADAL" clId="{959C871E-B1B9-48FD-848D-ACEB3D66F7BF}"/>
+    <pc:docChg chg="modSld">
+      <pc:chgData name="Dragan Javorac" userId="913c2858-fb97-4c6e-a42c-b1f1a16b225e" providerId="ADAL" clId="{959C871E-B1B9-48FD-848D-ACEB3D66F7BF}" dt="2022-11-04T09:19:36.825" v="9" actId="20577"/>
+      <pc:docMkLst>
+        <pc:docMk/>
+      </pc:docMkLst>
+      <pc:sldChg chg="modSp mod">
+        <pc:chgData name="Dragan Javorac" userId="913c2858-fb97-4c6e-a42c-b1f1a16b225e" providerId="ADAL" clId="{959C871E-B1B9-48FD-848D-ACEB3D66F7BF}" dt="2022-11-04T09:19:36.825" v="9" actId="20577"/>
+        <pc:sldMkLst>
+          <pc:docMk/>
+          <pc:sldMk cId="2116114300" sldId="296"/>
+        </pc:sldMkLst>
+        <pc:spChg chg="mod">
+          <ac:chgData name="Dragan Javorac" userId="913c2858-fb97-4c6e-a42c-b1f1a16b225e" providerId="ADAL" clId="{959C871E-B1B9-48FD-848D-ACEB3D66F7BF}" dt="2022-11-04T09:19:36.825" v="9" actId="20577"/>
+          <ac:spMkLst>
+            <pc:docMk/>
+            <pc:sldMk cId="2116114300" sldId="296"/>
+            <ac:spMk id="213" creationId="{00000000-0000-0000-0000-000000000000}"/>
+          </ac:spMkLst>
+        </pc:spChg>
       </pc:sldChg>
     </pc:docChg>
   </pc:docChgLst>
@@ -16456,7 +16456,7 @@
                 <a:cs typeface="Courier New"/>
                 <a:sym typeface="Courier New"/>
               </a:rPr>
-              <a:t>R</a:t>
+              <a:t>r</a:t>
             </a:r>
             <a:r>
               <a:rPr lang="nl" b="1" dirty="0">
@@ -19372,6 +19372,15 @@
 </file>
 
 <file path=customXml/item1.xml><?xml version="1.0" encoding="utf-8"?>
+<?mso-contentType ?>
+<FormTemplates xmlns="http://schemas.microsoft.com/sharepoint/v3/contenttype/forms">
+  <Display>DocumentLibraryForm</Display>
+  <Edit>DocumentLibraryForm</Edit>
+  <New>DocumentLibraryForm</New>
+</FormTemplates>
+</file>
+
+<file path=customXml/item2.xml><?xml version="1.0" encoding="utf-8"?>
 <ct:contentTypeSchema xmlns:ct="http://schemas.microsoft.com/office/2006/metadata/contentType" xmlns:ma="http://schemas.microsoft.com/office/2006/metadata/properties/metaAttributes" ct:_="" ma:_="" ma:contentTypeName="Document" ma:contentTypeID="0x010100D9EB5C2D39876A418216A0F9CA870C99" ma:contentTypeVersion="3" ma:contentTypeDescription="Een nieuw document maken." ma:contentTypeScope="" ma:versionID="c16f919193eb98a592b344001a25f83c">
   <xsd:schema xmlns:xsd="http://www.w3.org/2001/XMLSchema" xmlns:xs="http://www.w3.org/2001/XMLSchema" xmlns:p="http://schemas.microsoft.com/office/2006/metadata/properties" xmlns:ns2="e1e829e0-e72c-4cab-be3a-c790bcef4396" targetNamespace="http://schemas.microsoft.com/office/2006/metadata/properties" ma:root="true" ma:fieldsID="faaad9287d5d49668764da612f25ddb4" ns2:_="">
     <xsd:import namespace="e1e829e0-e72c-4cab-be3a-c790bcef4396"/>
@@ -19509,15 +19518,6 @@
 </ct:contentTypeSchema>
 </file>
 
-<file path=customXml/item2.xml><?xml version="1.0" encoding="utf-8"?>
-<?mso-contentType ?>
-<FormTemplates xmlns="http://schemas.microsoft.com/sharepoint/v3/contenttype/forms">
-  <Display>DocumentLibraryForm</Display>
-  <Edit>DocumentLibraryForm</Edit>
-  <New>DocumentLibraryForm</New>
-</FormTemplates>
-</file>
-
 <file path=customXml/item3.xml><?xml version="1.0" encoding="utf-8"?>
 <p:properties xmlns:p="http://schemas.microsoft.com/office/2006/metadata/properties" xmlns:xsi="http://www.w3.org/2001/XMLSchema-instance" xmlns:pc="http://schemas.microsoft.com/office/infopath/2007/PartnerControls">
   <documentManagement/>
@@ -19525,13 +19525,27 @@
 </file>
 
 <file path=customXml/itemProps1.xml><?xml version="1.0" encoding="utf-8"?>
-<ds:datastoreItem xmlns:ds="http://schemas.openxmlformats.org/officeDocument/2006/customXml" ds:itemID="{8FB73B86-2D1A-43DC-9015-D05C266657ED}"/>
+<ds:datastoreItem xmlns:ds="http://schemas.openxmlformats.org/officeDocument/2006/customXml" ds:itemID="{677596AA-4DFD-4227-B9CE-6C527531930E}">
+  <ds:schemaRefs>
+    <ds:schemaRef ds:uri="http://schemas.microsoft.com/sharepoint/v3/contenttype/forms"/>
+  </ds:schemaRefs>
+</ds:datastoreItem>
 </file>
 
 <file path=customXml/itemProps2.xml><?xml version="1.0" encoding="utf-8"?>
-<ds:datastoreItem xmlns:ds="http://schemas.openxmlformats.org/officeDocument/2006/customXml" ds:itemID="{677596AA-4DFD-4227-B9CE-6C527531930E}">
+<ds:datastoreItem xmlns:ds="http://schemas.openxmlformats.org/officeDocument/2006/customXml" ds:itemID="{8FB73B86-2D1A-43DC-9015-D05C266657ED}">
   <ds:schemaRefs>
-    <ds:schemaRef ds:uri="http://schemas.microsoft.com/sharepoint/v3/contenttype/forms"/>
+    <ds:schemaRef ds:uri="http://schemas.microsoft.com/office/2006/metadata/contentType"/>
+    <ds:schemaRef ds:uri="http://schemas.microsoft.com/office/2006/metadata/properties/metaAttributes"/>
+    <ds:schemaRef ds:uri="http://www.w3.org/2001/XMLSchema"/>
+    <ds:schemaRef ds:uri="http://schemas.microsoft.com/office/2006/metadata/properties"/>
+    <ds:schemaRef ds:uri="e1e829e0-e72c-4cab-be3a-c790bcef4396"/>
+    <ds:schemaRef ds:uri="http://schemas.microsoft.com/office/2006/documentManagement/types"/>
+    <ds:schemaRef ds:uri="http://schemas.microsoft.com/office/infopath/2007/PartnerControls"/>
+    <ds:schemaRef ds:uri="http://schemas.openxmlformats.org/package/2006/metadata/core-properties"/>
+    <ds:schemaRef ds:uri="http://purl.org/dc/elements/1.1/"/>
+    <ds:schemaRef ds:uri="http://purl.org/dc/terms/"/>
+    <ds:schemaRef ds:uri="http://schemas.microsoft.com/internal/obd"/>
   </ds:schemaRefs>
 </ds:datastoreItem>
 </file>
